--- a/folded_gilbert/20230720中間発表/20230720　小島光.pptx
+++ b/folded_gilbert/20230720中間発表/20230720　小島光.pptx
@@ -5,7 +5,7 @@
     <p:sldMasterId id="2147483648" r:id="rId1"/>
   </p:sldMasterIdLst>
   <p:notesMasterIdLst>
-    <p:notesMasterId r:id="rId19"/>
+    <p:notesMasterId r:id="rId22"/>
   </p:notesMasterIdLst>
   <p:sldIdLst>
     <p:sldId id="256" r:id="rId2"/>
@@ -25,6 +25,9 @@
     <p:sldId id="289" r:id="rId16"/>
     <p:sldId id="290" r:id="rId17"/>
     <p:sldId id="288" r:id="rId18"/>
+    <p:sldId id="291" r:id="rId19"/>
+    <p:sldId id="292" r:id="rId20"/>
+    <p:sldId id="293" r:id="rId21"/>
   </p:sldIdLst>
   <p:sldSz cx="12192000" cy="6858000"/>
   <p:notesSz cx="6858000" cy="9144000"/>
@@ -213,7 +216,7 @@
           <a:p>
             <a:fld id="{C2308603-3965-4010-B811-9216F04A6DBF}" type="datetimeFigureOut">
               <a:rPr kumimoji="1" lang="ja-JP" altLang="en-US" smtClean="0"/>
-              <a:t>2023/7/18</a:t>
+              <a:t>2023/7/19</a:t>
             </a:fld>
             <a:endParaRPr kumimoji="1" lang="ja-JP" altLang="en-US"/>
           </a:p>
@@ -743,7 +746,7 @@
           <a:p>
             <a:fld id="{32A2506B-F58C-4920-9E57-3436F7EBEF21}" type="datetime1">
               <a:rPr kumimoji="1" lang="ja-JP" altLang="en-US" smtClean="0"/>
-              <a:t>2023/7/18</a:t>
+              <a:t>2023/7/19</a:t>
             </a:fld>
             <a:endParaRPr kumimoji="1" lang="ja-JP" altLang="en-US"/>
           </a:p>
@@ -973,7 +976,7 @@
           <a:p>
             <a:fld id="{4E57A847-1259-4A8A-A9A1-0CC4546DF3CB}" type="datetime1">
               <a:rPr kumimoji="1" lang="ja-JP" altLang="en-US" smtClean="0"/>
-              <a:t>2023/7/18</a:t>
+              <a:t>2023/7/19</a:t>
             </a:fld>
             <a:endParaRPr kumimoji="1" lang="ja-JP" altLang="en-US"/>
           </a:p>
@@ -1213,7 +1216,7 @@
           <a:p>
             <a:fld id="{12924174-C860-47D0-9BBD-2214E5FDF747}" type="datetime1">
               <a:rPr kumimoji="1" lang="ja-JP" altLang="en-US" smtClean="0"/>
-              <a:t>2023/7/18</a:t>
+              <a:t>2023/7/19</a:t>
             </a:fld>
             <a:endParaRPr kumimoji="1" lang="ja-JP" altLang="en-US"/>
           </a:p>
@@ -1443,7 +1446,7 @@
           <a:p>
             <a:fld id="{DA4D86C9-F68A-4BB4-B91B-C5345263F405}" type="datetime1">
               <a:rPr kumimoji="1" lang="ja-JP" altLang="en-US" smtClean="0"/>
-              <a:t>2023/7/18</a:t>
+              <a:t>2023/7/19</a:t>
             </a:fld>
             <a:endParaRPr kumimoji="1" lang="ja-JP" altLang="en-US"/>
           </a:p>
@@ -1718,7 +1721,7 @@
           <a:p>
             <a:fld id="{E4565460-6C8D-4678-8D2D-DA0A391CC658}" type="datetime1">
               <a:rPr kumimoji="1" lang="ja-JP" altLang="en-US" smtClean="0"/>
-              <a:t>2023/7/18</a:t>
+              <a:t>2023/7/19</a:t>
             </a:fld>
             <a:endParaRPr kumimoji="1" lang="ja-JP" altLang="en-US"/>
           </a:p>
@@ -2047,7 +2050,7 @@
           <a:p>
             <a:fld id="{C259931B-8498-48AB-9A2E-541888EA105C}" type="datetime1">
               <a:rPr kumimoji="1" lang="ja-JP" altLang="en-US" smtClean="0"/>
-              <a:t>2023/7/18</a:t>
+              <a:t>2023/7/19</a:t>
             </a:fld>
             <a:endParaRPr kumimoji="1" lang="ja-JP" altLang="en-US"/>
           </a:p>
@@ -2523,7 +2526,7 @@
           <a:p>
             <a:fld id="{6AB015EA-9A17-4FDD-8FE5-3AB3BA019B40}" type="datetime1">
               <a:rPr kumimoji="1" lang="ja-JP" altLang="en-US" smtClean="0"/>
-              <a:t>2023/7/18</a:t>
+              <a:t>2023/7/19</a:t>
             </a:fld>
             <a:endParaRPr kumimoji="1" lang="ja-JP" altLang="en-US"/>
           </a:p>
@@ -2664,7 +2667,7 @@
           <a:p>
             <a:fld id="{F087AD27-7DE9-48B2-ADF3-1C74B40002C0}" type="datetime1">
               <a:rPr kumimoji="1" lang="ja-JP" altLang="en-US" smtClean="0"/>
-              <a:t>2023/7/18</a:t>
+              <a:t>2023/7/19</a:t>
             </a:fld>
             <a:endParaRPr kumimoji="1" lang="ja-JP" altLang="en-US"/>
           </a:p>
@@ -2777,7 +2780,7 @@
           <a:p>
             <a:fld id="{3CF180C9-C103-4DB5-83CA-C2A36DEAF54B}" type="datetime1">
               <a:rPr kumimoji="1" lang="ja-JP" altLang="en-US" smtClean="0"/>
-              <a:t>2023/7/18</a:t>
+              <a:t>2023/7/19</a:t>
             </a:fld>
             <a:endParaRPr kumimoji="1" lang="ja-JP" altLang="en-US"/>
           </a:p>
@@ -3120,7 +3123,7 @@
           <a:p>
             <a:fld id="{C1A3AA1E-B152-4D09-94BE-B17F85D17F56}" type="datetime1">
               <a:rPr kumimoji="1" lang="ja-JP" altLang="en-US" smtClean="0"/>
-              <a:t>2023/7/18</a:t>
+              <a:t>2023/7/19</a:t>
             </a:fld>
             <a:endParaRPr kumimoji="1" lang="ja-JP" altLang="en-US"/>
           </a:p>
@@ -3408,7 +3411,7 @@
           <a:p>
             <a:fld id="{A9CAAB29-B15D-43A6-BF41-A55CCD1E938A}" type="datetime1">
               <a:rPr kumimoji="1" lang="ja-JP" altLang="en-US" smtClean="0"/>
-              <a:t>2023/7/18</a:t>
+              <a:t>2023/7/19</a:t>
             </a:fld>
             <a:endParaRPr kumimoji="1" lang="ja-JP" altLang="en-US"/>
           </a:p>
@@ -3681,7 +3684,7 @@
           <a:p>
             <a:fld id="{1B61F597-9D5E-4F31-841F-0E6B6314FCBE}" type="datetime1">
               <a:rPr kumimoji="1" lang="ja-JP" altLang="en-US" smtClean="0"/>
-              <a:t>2023/7/18</a:t>
+              <a:t>2023/7/19</a:t>
             </a:fld>
             <a:endParaRPr kumimoji="1" lang="ja-JP" altLang="en-US"/>
           </a:p>
@@ -5339,8 +5342,8 @@
           </a:p>
         </p:txBody>
       </p:sp>
-      <mc:AlternateContent xmlns:mc="http://schemas.openxmlformats.org/markup-compatibility/2006">
-        <mc:Choice xmlns:a14="http://schemas.microsoft.com/office/drawing/2010/main" Requires="a14">
+      <mc:AlternateContent xmlns:mc="http://schemas.openxmlformats.org/markup-compatibility/2006" xmlns:a14="http://schemas.microsoft.com/office/drawing/2010/main">
+        <mc:Choice Requires="a14">
           <p:sp>
             <p:nvSpPr>
               <p:cNvPr id="4" name="テキスト ボックス 3">
@@ -6116,7 +6119,7 @@
             </p:txBody>
           </p:sp>
         </mc:Choice>
-        <mc:Fallback>
+        <mc:Fallback xmlns="">
           <p:sp>
             <p:nvSpPr>
               <p:cNvPr id="4" name="テキスト ボックス 3">
@@ -6285,8 +6288,8 @@
           </a:prstGeom>
         </p:spPr>
       </p:pic>
-      <mc:AlternateContent xmlns:mc="http://schemas.openxmlformats.org/markup-compatibility/2006">
-        <mc:Choice xmlns:a14="http://schemas.microsoft.com/office/drawing/2010/main" Requires="a14">
+      <mc:AlternateContent xmlns:mc="http://schemas.openxmlformats.org/markup-compatibility/2006" xmlns:a14="http://schemas.microsoft.com/office/drawing/2010/main">
+        <mc:Choice Requires="a14">
           <p:graphicFrame>
             <p:nvGraphicFramePr>
               <p:cNvPr id="5" name="表 5">
@@ -6374,7 +6377,6 @@
                         <a:bodyPr/>
                         <a:lstStyle/>
                         <a:p>
-                          <a:pPr/>
                           <a:endParaRPr kumimoji="1" lang="ja-JP" altLang="en-US" dirty="0"/>
                         </a:p>
                       </a:txBody>
@@ -8662,7 +8664,7 @@
             </a:graphic>
           </p:graphicFrame>
         </mc:Choice>
-        <mc:Fallback>
+        <mc:Fallback xmlns="">
           <p:graphicFrame>
             <p:nvGraphicFramePr>
               <p:cNvPr id="5" name="表 5">
@@ -9695,8 +9697,8 @@
           </p:graphicFrame>
         </mc:Fallback>
       </mc:AlternateContent>
-      <mc:AlternateContent xmlns:mc="http://schemas.openxmlformats.org/markup-compatibility/2006">
-        <mc:Choice xmlns:a14="http://schemas.microsoft.com/office/drawing/2010/main" Requires="a14">
+      <mc:AlternateContent xmlns:mc="http://schemas.openxmlformats.org/markup-compatibility/2006" xmlns:a14="http://schemas.microsoft.com/office/drawing/2010/main">
+        <mc:Choice Requires="a14">
           <p:sp>
             <p:nvSpPr>
               <p:cNvPr id="6" name="テキスト ボックス 5">
@@ -9784,7 +9786,7 @@
             </p:txBody>
           </p:sp>
         </mc:Choice>
-        <mc:Fallback>
+        <mc:Fallback xmlns="">
           <p:sp>
             <p:nvSpPr>
               <p:cNvPr id="6" name="テキスト ボックス 5">
@@ -10054,8 +10056,8 @@
           </a:prstGeom>
         </p:spPr>
       </p:pic>
-      <mc:AlternateContent xmlns:mc="http://schemas.openxmlformats.org/markup-compatibility/2006">
-        <mc:Choice xmlns:a14="http://schemas.microsoft.com/office/drawing/2010/main" Requires="a14">
+      <mc:AlternateContent xmlns:mc="http://schemas.openxmlformats.org/markup-compatibility/2006" xmlns:a14="http://schemas.microsoft.com/office/drawing/2010/main">
+        <mc:Choice Requires="a14">
           <p:sp>
             <p:nvSpPr>
               <p:cNvPr id="6" name="テキスト ボックス 5">
@@ -10159,7 +10161,7 @@
             </p:txBody>
           </p:sp>
         </mc:Choice>
-        <mc:Fallback>
+        <mc:Fallback xmlns="">
           <p:sp>
             <p:nvSpPr>
               <p:cNvPr id="6" name="テキスト ボックス 5">
@@ -11771,42 +11773,6 @@
           </a:p>
         </p:txBody>
       </p:sp>
-      <p:pic>
-        <p:nvPicPr>
-          <p:cNvPr id="4" name="図 3" descr="背景パターン が含まれている画像&#10;&#10;自動的に生成された説明">
-            <a:extLst>
-              <a:ext uri="{FF2B5EF4-FFF2-40B4-BE49-F238E27FC236}">
-                <a16:creationId xmlns:a16="http://schemas.microsoft.com/office/drawing/2014/main" id="{0E99D0F8-AE1F-9318-2A3F-6CA730B42766}"/>
-              </a:ext>
-            </a:extLst>
-          </p:cNvPr>
-          <p:cNvPicPr>
-            <a:picLocks noChangeAspect="1"/>
-          </p:cNvPicPr>
-          <p:nvPr/>
-        </p:nvPicPr>
-        <p:blipFill>
-          <a:blip r:embed="rId2">
-            <a:extLst>
-              <a:ext uri="{28A0092B-C50C-407E-A947-70E740481C1C}">
-                <a14:useLocalDpi xmlns:a14="http://schemas.microsoft.com/office/drawing/2010/main" val="0"/>
-              </a:ext>
-            </a:extLst>
-          </a:blip>
-          <a:stretch>
-            <a:fillRect/>
-          </a:stretch>
-        </p:blipFill>
-        <p:spPr>
-          <a:xfrm>
-            <a:off x="-247076" y="2115671"/>
-            <a:ext cx="7944602" cy="4000144"/>
-          </a:xfrm>
-          <a:prstGeom prst="rect">
-            <a:avLst/>
-          </a:prstGeom>
-        </p:spPr>
-      </p:pic>
       <mc:AlternateContent xmlns:mc="http://schemas.openxmlformats.org/markup-compatibility/2006" xmlns:a14="http://schemas.microsoft.com/office/drawing/2010/main">
         <mc:Choice Requires="a14">
           <p:graphicFrame>
@@ -13590,8 +13556,8 @@
           </p:graphicFrame>
         </mc:Fallback>
       </mc:AlternateContent>
-      <mc:AlternateContent xmlns:mc="http://schemas.openxmlformats.org/markup-compatibility/2006">
-        <mc:Choice xmlns:a14="http://schemas.microsoft.com/office/drawing/2010/main" Requires="a14">
+      <mc:AlternateContent xmlns:mc="http://schemas.openxmlformats.org/markup-compatibility/2006" xmlns:a14="http://schemas.microsoft.com/office/drawing/2010/main">
+        <mc:Choice Requires="a14">
           <p:sp>
             <p:nvSpPr>
               <p:cNvPr id="6" name="テキスト ボックス 5">
@@ -13660,7 +13626,7 @@
             </p:txBody>
           </p:sp>
         </mc:Choice>
-        <mc:Fallback>
+        <mc:Fallback xmlns="">
           <p:sp>
             <p:nvSpPr>
               <p:cNvPr id="6" name="テキスト ボックス 5">
@@ -13705,10 +13671,599 @@
           </p:sp>
         </mc:Fallback>
       </mc:AlternateContent>
+      <p:pic>
+        <p:nvPicPr>
+          <p:cNvPr id="7" name="図 6" descr="背景パターン が含まれている画像&#10;&#10;自動的に生成された説明">
+            <a:extLst>
+              <a:ext uri="{FF2B5EF4-FFF2-40B4-BE49-F238E27FC236}">
+                <a16:creationId xmlns:a16="http://schemas.microsoft.com/office/drawing/2014/main" id="{CF13AFCF-D39F-A1E8-736D-DDBBA113C3F5}"/>
+              </a:ext>
+            </a:extLst>
+          </p:cNvPr>
+          <p:cNvPicPr>
+            <a:picLocks noChangeAspect="1"/>
+          </p:cNvPicPr>
+          <p:nvPr/>
+        </p:nvPicPr>
+        <p:blipFill rotWithShape="1">
+          <a:blip r:embed="rId5">
+            <a:extLst>
+              <a:ext uri="{28A0092B-C50C-407E-A947-70E740481C1C}">
+                <a14:useLocalDpi xmlns:a14="http://schemas.microsoft.com/office/drawing/2010/main" val="0"/>
+              </a:ext>
+            </a:extLst>
+          </a:blip>
+          <a:srcRect l="3785" r="4327"/>
+          <a:stretch/>
+        </p:blipFill>
+        <p:spPr>
+          <a:xfrm>
+            <a:off x="0" y="2082707"/>
+            <a:ext cx="7546700" cy="4135293"/>
+          </a:xfrm>
+          <a:prstGeom prst="rect">
+            <a:avLst/>
+          </a:prstGeom>
+        </p:spPr>
+      </p:pic>
     </p:spTree>
     <p:extLst>
       <p:ext uri="{BB962C8B-B14F-4D97-AF65-F5344CB8AC3E}">
         <p14:creationId xmlns:p14="http://schemas.microsoft.com/office/powerpoint/2010/main" val="353484744"/>
+      </p:ext>
+    </p:extLst>
+  </p:cSld>
+  <p:clrMapOvr>
+    <a:masterClrMapping/>
+  </p:clrMapOvr>
+</p:sld>
+</file>
+
+<file path=ppt/slides/slide18.xml><?xml version="1.0" encoding="utf-8"?>
+<p:sld xmlns:a="http://schemas.openxmlformats.org/drawingml/2006/main" xmlns:r="http://schemas.openxmlformats.org/officeDocument/2006/relationships" xmlns:p="http://schemas.openxmlformats.org/presentationml/2006/main">
+  <p:cSld>
+    <p:spTree>
+      <p:nvGrpSpPr>
+        <p:cNvPr id="1" name=""/>
+        <p:cNvGrpSpPr/>
+        <p:nvPr/>
+      </p:nvGrpSpPr>
+      <p:grpSpPr>
+        <a:xfrm>
+          <a:off x="0" y="0"/>
+          <a:ext cx="0" cy="0"/>
+          <a:chOff x="0" y="0"/>
+          <a:chExt cx="0" cy="0"/>
+        </a:xfrm>
+      </p:grpSpPr>
+      <p:pic>
+        <p:nvPicPr>
+          <p:cNvPr id="5" name="図 4" descr="グラフ&#10;&#10;自動的に生成された説明">
+            <a:extLst>
+              <a:ext uri="{FF2B5EF4-FFF2-40B4-BE49-F238E27FC236}">
+                <a16:creationId xmlns:a16="http://schemas.microsoft.com/office/drawing/2014/main" id="{DFEE02BE-C955-62CB-66FF-3975AA518416}"/>
+              </a:ext>
+            </a:extLst>
+          </p:cNvPr>
+          <p:cNvPicPr>
+            <a:picLocks noChangeAspect="1"/>
+          </p:cNvPicPr>
+          <p:nvPr/>
+        </p:nvPicPr>
+        <p:blipFill rotWithShape="1">
+          <a:blip r:embed="rId2">
+            <a:extLst>
+              <a:ext uri="{28A0092B-C50C-407E-A947-70E740481C1C}">
+                <a14:useLocalDpi xmlns:a14="http://schemas.microsoft.com/office/drawing/2010/main" val="0"/>
+              </a:ext>
+            </a:extLst>
+          </a:blip>
+          <a:srcRect l="1596" r="12856"/>
+          <a:stretch/>
+        </p:blipFill>
+        <p:spPr>
+          <a:xfrm>
+            <a:off x="6002190" y="1431394"/>
+            <a:ext cx="5701942" cy="4665662"/>
+          </a:xfrm>
+          <a:prstGeom prst="rect">
+            <a:avLst/>
+          </a:prstGeom>
+        </p:spPr>
+      </p:pic>
+      <p:pic>
+        <p:nvPicPr>
+          <p:cNvPr id="7" name="図 6" descr="グラフ&#10;&#10;自動的に生成された説明">
+            <a:extLst>
+              <a:ext uri="{FF2B5EF4-FFF2-40B4-BE49-F238E27FC236}">
+                <a16:creationId xmlns:a16="http://schemas.microsoft.com/office/drawing/2014/main" id="{5D92FF38-F158-AEB0-57AC-0D5F9265CE9E}"/>
+              </a:ext>
+            </a:extLst>
+          </p:cNvPr>
+          <p:cNvPicPr>
+            <a:picLocks noChangeAspect="1"/>
+          </p:cNvPicPr>
+          <p:nvPr/>
+        </p:nvPicPr>
+        <p:blipFill rotWithShape="1">
+          <a:blip r:embed="rId3">
+            <a:extLst>
+              <a:ext uri="{28A0092B-C50C-407E-A947-70E740481C1C}">
+                <a14:useLocalDpi xmlns:a14="http://schemas.microsoft.com/office/drawing/2010/main" val="0"/>
+              </a:ext>
+            </a:extLst>
+          </a:blip>
+          <a:srcRect l="1055" r="10104"/>
+          <a:stretch/>
+        </p:blipFill>
+        <p:spPr>
+          <a:xfrm>
+            <a:off x="349535" y="1431394"/>
+            <a:ext cx="5746465" cy="4527791"/>
+          </a:xfrm>
+          <a:prstGeom prst="rect">
+            <a:avLst/>
+          </a:prstGeom>
+        </p:spPr>
+      </p:pic>
+      <p:sp>
+        <p:nvSpPr>
+          <p:cNvPr id="2" name="タイトル 1">
+            <a:extLst>
+              <a:ext uri="{FF2B5EF4-FFF2-40B4-BE49-F238E27FC236}">
+                <a16:creationId xmlns:a16="http://schemas.microsoft.com/office/drawing/2014/main" id="{815BC34B-36BD-15E0-26E1-0BF8A9213DEE}"/>
+              </a:ext>
+            </a:extLst>
+          </p:cNvPr>
+          <p:cNvSpPr>
+            <a:spLocks noGrp="1"/>
+          </p:cNvSpPr>
+          <p:nvPr>
+            <p:ph type="title"/>
+          </p:nvPr>
+        </p:nvSpPr>
+        <p:spPr/>
+        <p:txBody>
+          <a:bodyPr/>
+          <a:lstStyle/>
+          <a:p>
+            <a:r>
+              <a:rPr lang="ja-JP" altLang="en-US" dirty="0"/>
+              <a:t>従来型と折り返し型の比較</a:t>
+            </a:r>
+            <a:endParaRPr kumimoji="1" lang="ja-JP" altLang="en-US" dirty="0"/>
+          </a:p>
+        </p:txBody>
+      </p:sp>
+      <p:sp>
+        <p:nvSpPr>
+          <p:cNvPr id="3" name="スライド番号プレースホルダー 2">
+            <a:extLst>
+              <a:ext uri="{FF2B5EF4-FFF2-40B4-BE49-F238E27FC236}">
+                <a16:creationId xmlns:a16="http://schemas.microsoft.com/office/drawing/2014/main" id="{464215FF-1BF3-F7F9-AB1C-A60C351D7D04}"/>
+              </a:ext>
+            </a:extLst>
+          </p:cNvPr>
+          <p:cNvSpPr>
+            <a:spLocks noGrp="1"/>
+          </p:cNvSpPr>
+          <p:nvPr>
+            <p:ph type="sldNum" sz="quarter" idx="12"/>
+          </p:nvPr>
+        </p:nvSpPr>
+        <p:spPr/>
+        <p:txBody>
+          <a:bodyPr/>
+          <a:lstStyle/>
+          <a:p>
+            <a:fld id="{A6533F35-6776-486C-8F15-FDFBB901D931}" type="slidenum">
+              <a:rPr kumimoji="1" lang="ja-JP" altLang="en-US" smtClean="0"/>
+              <a:t>18</a:t>
+            </a:fld>
+            <a:endParaRPr kumimoji="1" lang="ja-JP" altLang="en-US"/>
+          </a:p>
+        </p:txBody>
+      </p:sp>
+      <p:sp>
+        <p:nvSpPr>
+          <p:cNvPr id="8" name="テキスト ボックス 7">
+            <a:extLst>
+              <a:ext uri="{FF2B5EF4-FFF2-40B4-BE49-F238E27FC236}">
+                <a16:creationId xmlns:a16="http://schemas.microsoft.com/office/drawing/2014/main" id="{0E651ACB-F05D-BC55-FD28-1F7579D8884B}"/>
+              </a:ext>
+            </a:extLst>
+          </p:cNvPr>
+          <p:cNvSpPr txBox="1"/>
+          <p:nvPr/>
+        </p:nvSpPr>
+        <p:spPr>
+          <a:xfrm>
+            <a:off x="1173018" y="6097056"/>
+            <a:ext cx="4156364" cy="479235"/>
+          </a:xfrm>
+          <a:prstGeom prst="rect">
+            <a:avLst/>
+          </a:prstGeom>
+          <a:noFill/>
+        </p:spPr>
+        <p:txBody>
+          <a:bodyPr wrap="square" rtlCol="0">
+            <a:spAutoFit/>
+          </a:bodyPr>
+          <a:lstStyle/>
+          <a:p>
+            <a:pPr algn="ctr"/>
+            <a:r>
+              <a:rPr kumimoji="1" lang="ja-JP" altLang="en-US" sz="2400" dirty="0"/>
+              <a:t>折り返し型</a:t>
+            </a:r>
+          </a:p>
+        </p:txBody>
+      </p:sp>
+      <p:sp>
+        <p:nvSpPr>
+          <p:cNvPr id="9" name="テキスト ボックス 8">
+            <a:extLst>
+              <a:ext uri="{FF2B5EF4-FFF2-40B4-BE49-F238E27FC236}">
+                <a16:creationId xmlns:a16="http://schemas.microsoft.com/office/drawing/2014/main" id="{CDEA9AED-834D-AF9F-DABE-EBC24D047724}"/>
+              </a:ext>
+            </a:extLst>
+          </p:cNvPr>
+          <p:cNvSpPr txBox="1"/>
+          <p:nvPr/>
+        </p:nvSpPr>
+        <p:spPr>
+          <a:xfrm>
+            <a:off x="7107381" y="6116732"/>
+            <a:ext cx="4156364" cy="479235"/>
+          </a:xfrm>
+          <a:prstGeom prst="rect">
+            <a:avLst/>
+          </a:prstGeom>
+          <a:noFill/>
+        </p:spPr>
+        <p:txBody>
+          <a:bodyPr wrap="square" rtlCol="0">
+            <a:spAutoFit/>
+          </a:bodyPr>
+          <a:lstStyle/>
+          <a:p>
+            <a:pPr algn="ctr"/>
+            <a:r>
+              <a:rPr kumimoji="1" lang="ja-JP" altLang="en-US" sz="2400" dirty="0"/>
+              <a:t>従来型</a:t>
+            </a:r>
+          </a:p>
+        </p:txBody>
+      </p:sp>
+      <p:sp>
+        <p:nvSpPr>
+          <p:cNvPr id="10" name="テキスト ボックス 9">
+            <a:extLst>
+              <a:ext uri="{FF2B5EF4-FFF2-40B4-BE49-F238E27FC236}">
+                <a16:creationId xmlns:a16="http://schemas.microsoft.com/office/drawing/2014/main" id="{1AD0C3BC-438D-3546-B784-8F231E31F569}"/>
+              </a:ext>
+            </a:extLst>
+          </p:cNvPr>
+          <p:cNvSpPr txBox="1"/>
+          <p:nvPr/>
+        </p:nvSpPr>
+        <p:spPr>
+          <a:xfrm>
+            <a:off x="2798618" y="4516582"/>
+            <a:ext cx="3796145" cy="707886"/>
+          </a:xfrm>
+          <a:prstGeom prst="rect">
+            <a:avLst/>
+          </a:prstGeom>
+          <a:solidFill>
+            <a:schemeClr val="bg1"/>
+          </a:solidFill>
+          <a:ln>
+            <a:solidFill>
+              <a:schemeClr val="tx1"/>
+            </a:solidFill>
+          </a:ln>
+        </p:spPr>
+        <p:txBody>
+          <a:bodyPr wrap="square" rtlCol="0">
+            <a:spAutoFit/>
+          </a:bodyPr>
+          <a:lstStyle/>
+          <a:p>
+            <a:pPr algn="l"/>
+            <a:r>
+              <a:rPr kumimoji="1" lang="ja-JP" altLang="en-US" sz="2000" dirty="0">
+                <a:solidFill>
+                  <a:srgbClr val="FF0000"/>
+                </a:solidFill>
+              </a:rPr>
+              <a:t>従来型と比較して出力範囲が大きくなっていることが分かる。</a:t>
+            </a:r>
+          </a:p>
+        </p:txBody>
+      </p:sp>
+    </p:spTree>
+    <p:extLst>
+      <p:ext uri="{BB962C8B-B14F-4D97-AF65-F5344CB8AC3E}">
+        <p14:creationId xmlns:p14="http://schemas.microsoft.com/office/powerpoint/2010/main" val="2442929252"/>
+      </p:ext>
+    </p:extLst>
+  </p:cSld>
+  <p:clrMapOvr>
+    <a:masterClrMapping/>
+  </p:clrMapOvr>
+</p:sld>
+</file>
+
+<file path=ppt/slides/slide19.xml><?xml version="1.0" encoding="utf-8"?>
+<p:sld xmlns:a="http://schemas.openxmlformats.org/drawingml/2006/main" xmlns:r="http://schemas.openxmlformats.org/officeDocument/2006/relationships" xmlns:p="http://schemas.openxmlformats.org/presentationml/2006/main">
+  <p:cSld>
+    <p:spTree>
+      <p:nvGrpSpPr>
+        <p:cNvPr id="1" name=""/>
+        <p:cNvGrpSpPr/>
+        <p:nvPr/>
+      </p:nvGrpSpPr>
+      <p:grpSpPr>
+        <a:xfrm>
+          <a:off x="0" y="0"/>
+          <a:ext cx="0" cy="0"/>
+          <a:chOff x="0" y="0"/>
+          <a:chExt cx="0" cy="0"/>
+        </a:xfrm>
+      </p:grpSpPr>
+      <p:sp>
+        <p:nvSpPr>
+          <p:cNvPr id="2" name="タイトル 1">
+            <a:extLst>
+              <a:ext uri="{FF2B5EF4-FFF2-40B4-BE49-F238E27FC236}">
+                <a16:creationId xmlns:a16="http://schemas.microsoft.com/office/drawing/2014/main" id="{B0B8FA01-A674-2BB5-834D-A1EBF4463A8D}"/>
+              </a:ext>
+            </a:extLst>
+          </p:cNvPr>
+          <p:cNvSpPr>
+            <a:spLocks noGrp="1"/>
+          </p:cNvSpPr>
+          <p:nvPr>
+            <p:ph type="title"/>
+          </p:nvPr>
+        </p:nvSpPr>
+        <p:spPr/>
+        <p:txBody>
+          <a:bodyPr/>
+          <a:lstStyle/>
+          <a:p>
+            <a:r>
+              <a:rPr lang="ja-JP" altLang="en-US" dirty="0"/>
+              <a:t>従来型と折り返し型の比較</a:t>
+            </a:r>
+            <a:endParaRPr kumimoji="1" lang="ja-JP" altLang="en-US" dirty="0"/>
+          </a:p>
+        </p:txBody>
+      </p:sp>
+      <p:sp>
+        <p:nvSpPr>
+          <p:cNvPr id="3" name="スライド番号プレースホルダー 2">
+            <a:extLst>
+              <a:ext uri="{FF2B5EF4-FFF2-40B4-BE49-F238E27FC236}">
+                <a16:creationId xmlns:a16="http://schemas.microsoft.com/office/drawing/2014/main" id="{1EA04708-9797-6B12-91DE-91C8C6826AA5}"/>
+              </a:ext>
+            </a:extLst>
+          </p:cNvPr>
+          <p:cNvSpPr>
+            <a:spLocks noGrp="1"/>
+          </p:cNvSpPr>
+          <p:nvPr>
+            <p:ph type="sldNum" sz="quarter" idx="12"/>
+          </p:nvPr>
+        </p:nvSpPr>
+        <p:spPr/>
+        <p:txBody>
+          <a:bodyPr/>
+          <a:lstStyle/>
+          <a:p>
+            <a:fld id="{A6533F35-6776-486C-8F15-FDFBB901D931}" type="slidenum">
+              <a:rPr kumimoji="1" lang="ja-JP" altLang="en-US" smtClean="0"/>
+              <a:t>19</a:t>
+            </a:fld>
+            <a:endParaRPr kumimoji="1" lang="ja-JP" altLang="en-US"/>
+          </a:p>
+        </p:txBody>
+      </p:sp>
+      <mc:AlternateContent xmlns:mc="http://schemas.openxmlformats.org/markup-compatibility/2006">
+        <mc:Choice xmlns:a14="http://schemas.microsoft.com/office/drawing/2010/main" Requires="a14">
+          <p:sp>
+            <p:nvSpPr>
+              <p:cNvPr id="5" name="テキスト ボックス 4">
+                <a:extLst>
+                  <a:ext uri="{FF2B5EF4-FFF2-40B4-BE49-F238E27FC236}">
+                    <a16:creationId xmlns:a16="http://schemas.microsoft.com/office/drawing/2014/main" id="{24FD664E-43F1-AE21-B059-EE2965DE6C2C}"/>
+                  </a:ext>
+                </a:extLst>
+              </p:cNvPr>
+              <p:cNvSpPr txBox="1"/>
+              <p:nvPr/>
+            </p:nvSpPr>
+            <p:spPr>
+              <a:xfrm>
+                <a:off x="7697526" y="2586182"/>
+                <a:ext cx="4128654" cy="2677656"/>
+              </a:xfrm>
+              <a:prstGeom prst="rect">
+                <a:avLst/>
+              </a:prstGeom>
+              <a:noFill/>
+            </p:spPr>
+            <p:txBody>
+              <a:bodyPr wrap="square" rtlCol="0">
+                <a:spAutoFit/>
+              </a:bodyPr>
+              <a:lstStyle/>
+              <a:p>
+                <a:pPr algn="l"/>
+                <a:r>
+                  <a:rPr kumimoji="1" lang="ja-JP" altLang="en-US" sz="2400" dirty="0"/>
+                  <a:t>入力範囲について、現状</a:t>
+                </a:r>
+                <a14:m>
+                  <m:oMath xmlns:m="http://schemas.openxmlformats.org/officeDocument/2006/math">
+                    <m:sSub>
+                      <m:sSubPr>
+                        <m:ctrlPr>
+                          <a:rPr kumimoji="1" lang="en-US" altLang="ja-JP" sz="2400" b="0" i="1" smtClean="0">
+                            <a:latin typeface="Cambria Math" panose="02040503050406030204" pitchFamily="18" charset="0"/>
+                          </a:rPr>
+                        </m:ctrlPr>
+                      </m:sSubPr>
+                      <m:e>
+                        <m:r>
+                          <a:rPr kumimoji="1" lang="en-US" altLang="ja-JP" sz="2400" b="0" i="1" smtClean="0">
+                            <a:latin typeface="Cambria Math" panose="02040503050406030204" pitchFamily="18" charset="0"/>
+                          </a:rPr>
+                          <m:t>𝑉</m:t>
+                        </m:r>
+                      </m:e>
+                      <m:sub>
+                        <m:r>
+                          <a:rPr kumimoji="1" lang="en-US" altLang="ja-JP" sz="2400" b="0" i="1" smtClean="0">
+                            <a:latin typeface="Cambria Math" panose="02040503050406030204" pitchFamily="18" charset="0"/>
+                          </a:rPr>
+                          <m:t>𝐵</m:t>
+                        </m:r>
+                      </m:sub>
+                    </m:sSub>
+                  </m:oMath>
+                </a14:m>
+                <a:r>
+                  <a:rPr kumimoji="1" lang="ja-JP" altLang="en-US" sz="2400" dirty="0"/>
+                  <a:t>の電位を従来型から変更していない。</a:t>
+                </a:r>
+                <a:endParaRPr kumimoji="1" lang="en-US" altLang="ja-JP" sz="2400" dirty="0"/>
+              </a:p>
+              <a:p>
+                <a:pPr algn="l"/>
+                <a14:m>
+                  <m:oMath xmlns:m="http://schemas.openxmlformats.org/officeDocument/2006/math">
+                    <m:sSub>
+                      <m:sSubPr>
+                        <m:ctrlPr>
+                          <a:rPr kumimoji="1" lang="en-US" altLang="ja-JP" sz="2400" b="0" i="1" smtClean="0">
+                            <a:latin typeface="Cambria Math" panose="02040503050406030204" pitchFamily="18" charset="0"/>
+                          </a:rPr>
+                        </m:ctrlPr>
+                      </m:sSubPr>
+                      <m:e>
+                        <m:r>
+                          <a:rPr kumimoji="1" lang="en-US" altLang="ja-JP" sz="2400" b="0" i="1" smtClean="0">
+                            <a:latin typeface="Cambria Math" panose="02040503050406030204" pitchFamily="18" charset="0"/>
+                          </a:rPr>
+                          <m:t>𝑀</m:t>
+                        </m:r>
+                      </m:e>
+                      <m:sub>
+                        <m:r>
+                          <a:rPr kumimoji="1" lang="en-US" altLang="ja-JP" sz="2400" b="0" i="1" smtClean="0">
+                            <a:latin typeface="Cambria Math" panose="02040503050406030204" pitchFamily="18" charset="0"/>
+                          </a:rPr>
+                          <m:t>𝑛</m:t>
+                        </m:r>
+                      </m:sub>
+                    </m:sSub>
+                  </m:oMath>
+                </a14:m>
+                <a:r>
+                  <a:rPr kumimoji="1" lang="ja-JP" altLang="en-US" sz="2400" dirty="0"/>
+                  <a:t>のドレインソース間電圧が大きくなっているので、入力範囲も広げられることが予測できる。</a:t>
+                </a:r>
+              </a:p>
+            </p:txBody>
+          </p:sp>
+        </mc:Choice>
+        <mc:Fallback>
+          <p:sp>
+            <p:nvSpPr>
+              <p:cNvPr id="5" name="テキスト ボックス 4">
+                <a:extLst>
+                  <a:ext uri="{FF2B5EF4-FFF2-40B4-BE49-F238E27FC236}">
+                    <a16:creationId xmlns:a16="http://schemas.microsoft.com/office/drawing/2014/main" id="{24FD664E-43F1-AE21-B059-EE2965DE6C2C}"/>
+                  </a:ext>
+                </a:extLst>
+              </p:cNvPr>
+              <p:cNvSpPr txBox="1">
+                <a:spLocks noRot="1" noChangeAspect="1" noMove="1" noResize="1" noEditPoints="1" noAdjustHandles="1" noChangeArrowheads="1" noChangeShapeType="1" noTextEdit="1"/>
+              </p:cNvSpPr>
+              <p:nvPr/>
+            </p:nvSpPr>
+            <p:spPr>
+              <a:xfrm>
+                <a:off x="7697526" y="2586182"/>
+                <a:ext cx="4128654" cy="2677656"/>
+              </a:xfrm>
+              <a:prstGeom prst="rect">
+                <a:avLst/>
+              </a:prstGeom>
+              <a:blipFill>
+                <a:blip r:embed="rId2"/>
+                <a:stretch>
+                  <a:fillRect l="-2363" t="-1822" b="-4328"/>
+                </a:stretch>
+              </a:blipFill>
+            </p:spPr>
+            <p:txBody>
+              <a:bodyPr/>
+              <a:lstStyle/>
+              <a:p>
+                <a:r>
+                  <a:rPr lang="ja-JP" altLang="en-US">
+                    <a:noFill/>
+                  </a:rPr>
+                  <a:t> </a:t>
+                </a:r>
+              </a:p>
+            </p:txBody>
+          </p:sp>
+        </mc:Fallback>
+      </mc:AlternateContent>
+      <p:pic>
+        <p:nvPicPr>
+          <p:cNvPr id="6" name="図 5" descr="背景パターン が含まれている画像&#10;&#10;自動的に生成された説明">
+            <a:extLst>
+              <a:ext uri="{FF2B5EF4-FFF2-40B4-BE49-F238E27FC236}">
+                <a16:creationId xmlns:a16="http://schemas.microsoft.com/office/drawing/2014/main" id="{D777E662-196E-97B1-383C-11C2D4DCFB89}"/>
+              </a:ext>
+            </a:extLst>
+          </p:cNvPr>
+          <p:cNvPicPr>
+            <a:picLocks noChangeAspect="1"/>
+          </p:cNvPicPr>
+          <p:nvPr/>
+        </p:nvPicPr>
+        <p:blipFill rotWithShape="1">
+          <a:blip r:embed="rId3">
+            <a:extLst>
+              <a:ext uri="{28A0092B-C50C-407E-A947-70E740481C1C}">
+                <a14:useLocalDpi xmlns:a14="http://schemas.microsoft.com/office/drawing/2010/main" val="0"/>
+              </a:ext>
+            </a:extLst>
+          </a:blip>
+          <a:srcRect l="3785" r="4327"/>
+          <a:stretch/>
+        </p:blipFill>
+        <p:spPr>
+          <a:xfrm>
+            <a:off x="0" y="2586182"/>
+            <a:ext cx="7546700" cy="4135293"/>
+          </a:xfrm>
+          <a:prstGeom prst="rect">
+            <a:avLst/>
+          </a:prstGeom>
+        </p:spPr>
+      </p:pic>
+    </p:spTree>
+    <p:extLst>
+      <p:ext uri="{BB962C8B-B14F-4D97-AF65-F5344CB8AC3E}">
+        <p14:creationId xmlns:p14="http://schemas.microsoft.com/office/powerpoint/2010/main" val="2374973744"/>
       </p:ext>
     </p:extLst>
   </p:cSld>
@@ -13868,6 +14423,94 @@
 </p:sld>
 </file>
 
+<file path=ppt/slides/slide20.xml><?xml version="1.0" encoding="utf-8"?>
+<p:sld xmlns:a="http://schemas.openxmlformats.org/drawingml/2006/main" xmlns:r="http://schemas.openxmlformats.org/officeDocument/2006/relationships" xmlns:p="http://schemas.openxmlformats.org/presentationml/2006/main">
+  <p:cSld>
+    <p:spTree>
+      <p:nvGrpSpPr>
+        <p:cNvPr id="1" name=""/>
+        <p:cNvGrpSpPr/>
+        <p:nvPr/>
+      </p:nvGrpSpPr>
+      <p:grpSpPr>
+        <a:xfrm>
+          <a:off x="0" y="0"/>
+          <a:ext cx="0" cy="0"/>
+          <a:chOff x="0" y="0"/>
+          <a:chExt cx="0" cy="0"/>
+        </a:xfrm>
+      </p:grpSpPr>
+      <p:sp>
+        <p:nvSpPr>
+          <p:cNvPr id="2" name="タイトル 1">
+            <a:extLst>
+              <a:ext uri="{FF2B5EF4-FFF2-40B4-BE49-F238E27FC236}">
+                <a16:creationId xmlns:a16="http://schemas.microsoft.com/office/drawing/2014/main" id="{E69305AD-F972-2486-163A-ADA0BC1DED46}"/>
+              </a:ext>
+            </a:extLst>
+          </p:cNvPr>
+          <p:cNvSpPr>
+            <a:spLocks noGrp="1"/>
+          </p:cNvSpPr>
+          <p:nvPr>
+            <p:ph type="title"/>
+          </p:nvPr>
+        </p:nvSpPr>
+        <p:spPr/>
+        <p:txBody>
+          <a:bodyPr/>
+          <a:lstStyle/>
+          <a:p>
+            <a:r>
+              <a:rPr lang="ja-JP" altLang="en-US" dirty="0"/>
+              <a:t>従来型と折り返し型の比較</a:t>
+            </a:r>
+            <a:endParaRPr kumimoji="1" lang="ja-JP" altLang="en-US" dirty="0"/>
+          </a:p>
+        </p:txBody>
+      </p:sp>
+      <p:sp>
+        <p:nvSpPr>
+          <p:cNvPr id="3" name="スライド番号プレースホルダー 2">
+            <a:extLst>
+              <a:ext uri="{FF2B5EF4-FFF2-40B4-BE49-F238E27FC236}">
+                <a16:creationId xmlns:a16="http://schemas.microsoft.com/office/drawing/2014/main" id="{2E508488-FBAA-067E-6AA6-F88ACB5A605A}"/>
+              </a:ext>
+            </a:extLst>
+          </p:cNvPr>
+          <p:cNvSpPr>
+            <a:spLocks noGrp="1"/>
+          </p:cNvSpPr>
+          <p:nvPr>
+            <p:ph type="sldNum" sz="quarter" idx="12"/>
+          </p:nvPr>
+        </p:nvSpPr>
+        <p:spPr/>
+        <p:txBody>
+          <a:bodyPr/>
+          <a:lstStyle/>
+          <a:p>
+            <a:fld id="{A6533F35-6776-486C-8F15-FDFBB901D931}" type="slidenum">
+              <a:rPr kumimoji="1" lang="ja-JP" altLang="en-US" smtClean="0"/>
+              <a:t>20</a:t>
+            </a:fld>
+            <a:endParaRPr kumimoji="1" lang="ja-JP" altLang="en-US"/>
+          </a:p>
+        </p:txBody>
+      </p:sp>
+    </p:spTree>
+    <p:extLst>
+      <p:ext uri="{BB962C8B-B14F-4D97-AF65-F5344CB8AC3E}">
+        <p14:creationId xmlns:p14="http://schemas.microsoft.com/office/powerpoint/2010/main" val="2384487710"/>
+      </p:ext>
+    </p:extLst>
+  </p:cSld>
+  <p:clrMapOvr>
+    <a:masterClrMapping/>
+  </p:clrMapOvr>
+</p:sld>
+</file>
+
 <file path=ppt/slides/slide3.xml><?xml version="1.0" encoding="utf-8"?>
 <p:sld xmlns:a="http://schemas.openxmlformats.org/drawingml/2006/main" xmlns:r="http://schemas.openxmlformats.org/officeDocument/2006/relationships" xmlns:p="http://schemas.openxmlformats.org/presentationml/2006/main">
   <p:cSld>
@@ -13944,8 +14587,8 @@
           </a:p>
         </p:txBody>
       </p:sp>
-      <mc:AlternateContent xmlns:mc="http://schemas.openxmlformats.org/markup-compatibility/2006">
-        <mc:Choice xmlns:a14="http://schemas.microsoft.com/office/drawing/2010/main" Requires="a14">
+      <mc:AlternateContent xmlns:mc="http://schemas.openxmlformats.org/markup-compatibility/2006" xmlns:a14="http://schemas.microsoft.com/office/drawing/2010/main">
+        <mc:Choice Requires="a14">
           <p:sp>
             <p:nvSpPr>
               <p:cNvPr id="3" name="テキスト ボックス 2">
@@ -14077,6 +14720,7 @@
                 <a:endParaRPr lang="en-US" altLang="ja-JP" sz="2400" dirty="0"/>
               </a:p>
               <a:p>
+                <a:pPr/>
                 <a14:m>
                   <m:oMathPara xmlns:m="http://schemas.openxmlformats.org/officeDocument/2006/math">
                     <m:oMathParaPr>
@@ -14276,6 +14920,7 @@
                 <a:endParaRPr lang="en-US" altLang="ja-JP" sz="2000" dirty="0"/>
               </a:p>
               <a:p>
+                <a:pPr/>
                 <a14:m>
                   <m:oMathPara xmlns:m="http://schemas.openxmlformats.org/officeDocument/2006/math">
                     <m:oMathParaPr>
@@ -14285,7 +14930,7 @@
                       <m:d>
                         <m:dPr>
                           <m:ctrlPr>
-                            <a:rPr lang="en-US" altLang="ja-JP" sz="2400" b="0" i="0" smtClean="0">
+                            <a:rPr lang="en-US" altLang="ja-JP" sz="2400" b="0" i="1" smtClean="0">
                               <a:latin typeface="Cambria Math" panose="02040503050406030204" pitchFamily="18" charset="0"/>
                             </a:rPr>
                           </m:ctrlPr>
@@ -14357,7 +15002,7 @@
             </p:txBody>
           </p:sp>
         </mc:Choice>
-        <mc:Fallback>
+        <mc:Fallback xmlns="">
           <p:sp>
             <p:nvSpPr>
               <p:cNvPr id="3" name="テキスト ボックス 2">

--- a/folded_gilbert/20230720中間発表/20230720　小島光.pptx
+++ b/folded_gilbert/20230720中間発表/20230720　小島光.pptx
@@ -5,7 +5,7 @@
     <p:sldMasterId id="2147483648" r:id="rId1"/>
   </p:sldMasterIdLst>
   <p:notesMasterIdLst>
-    <p:notesMasterId r:id="rId22"/>
+    <p:notesMasterId r:id="rId24"/>
   </p:notesMasterIdLst>
   <p:sldIdLst>
     <p:sldId id="256" r:id="rId2"/>
@@ -27,7 +27,9 @@
     <p:sldId id="288" r:id="rId18"/>
     <p:sldId id="291" r:id="rId19"/>
     <p:sldId id="292" r:id="rId20"/>
-    <p:sldId id="293" r:id="rId21"/>
+    <p:sldId id="266" r:id="rId21"/>
+    <p:sldId id="293" r:id="rId22"/>
+    <p:sldId id="294" r:id="rId23"/>
   </p:sldIdLst>
   <p:sldSz cx="12192000" cy="6858000"/>
   <p:notesSz cx="6858000" cy="9144000"/>
@@ -14071,8 +14073,8 @@
           </a:p>
         </p:txBody>
       </p:sp>
-      <mc:AlternateContent xmlns:mc="http://schemas.openxmlformats.org/markup-compatibility/2006">
-        <mc:Choice xmlns:a14="http://schemas.microsoft.com/office/drawing/2010/main" Requires="a14">
+      <mc:AlternateContent xmlns:mc="http://schemas.openxmlformats.org/markup-compatibility/2006" xmlns:a14="http://schemas.microsoft.com/office/drawing/2010/main">
+        <mc:Choice Requires="a14">
           <p:sp>
             <p:nvSpPr>
               <p:cNvPr id="5" name="テキスト ボックス 4">
@@ -14180,7 +14182,7 @@
             </p:txBody>
           </p:sp>
         </mc:Choice>
-        <mc:Fallback>
+        <mc:Fallback xmlns="">
           <p:sp>
             <p:nvSpPr>
               <p:cNvPr id="5" name="テキスト ボックス 4">
@@ -14445,7 +14447,7 @@
           <p:cNvPr id="2" name="タイトル 1">
             <a:extLst>
               <a:ext uri="{FF2B5EF4-FFF2-40B4-BE49-F238E27FC236}">
-                <a16:creationId xmlns:a16="http://schemas.microsoft.com/office/drawing/2014/main" id="{E69305AD-F972-2486-163A-ADA0BC1DED46}"/>
+                <a16:creationId xmlns:a16="http://schemas.microsoft.com/office/drawing/2014/main" id="{EAC27E28-9C7C-5F12-8457-554153DDCD54}"/>
               </a:ext>
             </a:extLst>
           </p:cNvPr>
@@ -14474,7 +14476,201 @@
           <p:cNvPr id="3" name="スライド番号プレースホルダー 2">
             <a:extLst>
               <a:ext uri="{FF2B5EF4-FFF2-40B4-BE49-F238E27FC236}">
-                <a16:creationId xmlns:a16="http://schemas.microsoft.com/office/drawing/2014/main" id="{2E508488-FBAA-067E-6AA6-F88ACB5A605A}"/>
+                <a16:creationId xmlns:a16="http://schemas.microsoft.com/office/drawing/2014/main" id="{DEAE09E8-CDA1-9F2C-D11E-6A51E914D081}"/>
+              </a:ext>
+            </a:extLst>
+          </p:cNvPr>
+          <p:cNvSpPr>
+            <a:spLocks noGrp="1"/>
+          </p:cNvSpPr>
+          <p:nvPr>
+            <p:ph type="sldNum" sz="quarter" idx="12"/>
+          </p:nvPr>
+        </p:nvSpPr>
+        <p:spPr/>
+        <p:txBody>
+          <a:bodyPr/>
+          <a:lstStyle/>
+          <a:p>
+            <a:fld id="{85B6C27D-B957-4A92-99D3-4644DF81A59E}" type="slidenum">
+              <a:rPr kumimoji="1" lang="ja-JP" altLang="en-US" smtClean="0"/>
+              <a:t>20</a:t>
+            </a:fld>
+            <a:endParaRPr kumimoji="1" lang="ja-JP" altLang="en-US"/>
+          </a:p>
+        </p:txBody>
+      </p:sp>
+      <p:pic>
+        <p:nvPicPr>
+          <p:cNvPr id="10" name="図 9" descr="グラフ&#10;&#10;自動的に生成された説明">
+            <a:extLst>
+              <a:ext uri="{FF2B5EF4-FFF2-40B4-BE49-F238E27FC236}">
+                <a16:creationId xmlns:a16="http://schemas.microsoft.com/office/drawing/2014/main" id="{5E911C62-E1EE-FA6B-C1F3-28FF73DA38ED}"/>
+              </a:ext>
+            </a:extLst>
+          </p:cNvPr>
+          <p:cNvPicPr>
+            <a:picLocks noChangeAspect="1"/>
+          </p:cNvPicPr>
+          <p:nvPr/>
+        </p:nvPicPr>
+        <p:blipFill rotWithShape="1">
+          <a:blip r:embed="rId2">
+            <a:extLst>
+              <a:ext uri="{28A0092B-C50C-407E-A947-70E740481C1C}">
+                <a14:useLocalDpi xmlns:a14="http://schemas.microsoft.com/office/drawing/2010/main" val="0"/>
+              </a:ext>
+            </a:extLst>
+          </a:blip>
+          <a:srcRect r="6901"/>
+          <a:stretch/>
+        </p:blipFill>
+        <p:spPr>
+          <a:xfrm>
+            <a:off x="5980590" y="2048304"/>
+            <a:ext cx="5639598" cy="4240305"/>
+          </a:xfrm>
+          <a:prstGeom prst="rect">
+            <a:avLst/>
+          </a:prstGeom>
+        </p:spPr>
+      </p:pic>
+      <p:pic>
+        <p:nvPicPr>
+          <p:cNvPr id="12" name="図 11" descr="グラフ&#10;&#10;自動的に生成された説明">
+            <a:extLst>
+              <a:ext uri="{FF2B5EF4-FFF2-40B4-BE49-F238E27FC236}">
+                <a16:creationId xmlns:a16="http://schemas.microsoft.com/office/drawing/2014/main" id="{7A5F472F-7E04-C5DD-8404-2604FE0D5B99}"/>
+              </a:ext>
+            </a:extLst>
+          </p:cNvPr>
+          <p:cNvPicPr>
+            <a:picLocks noChangeAspect="1"/>
+          </p:cNvPicPr>
+          <p:nvPr/>
+        </p:nvPicPr>
+        <p:blipFill rotWithShape="1">
+          <a:blip r:embed="rId3">
+            <a:extLst>
+              <a:ext uri="{28A0092B-C50C-407E-A947-70E740481C1C}">
+                <a14:useLocalDpi xmlns:a14="http://schemas.microsoft.com/office/drawing/2010/main" val="0"/>
+              </a:ext>
+            </a:extLst>
+          </a:blip>
+          <a:srcRect r="6901"/>
+          <a:stretch/>
+        </p:blipFill>
+        <p:spPr>
+          <a:xfrm>
+            <a:off x="252144" y="2048304"/>
+            <a:ext cx="5639598" cy="4240305"/>
+          </a:xfrm>
+          <a:prstGeom prst="rect">
+            <a:avLst/>
+          </a:prstGeom>
+        </p:spPr>
+      </p:pic>
+      <p:sp>
+        <p:nvSpPr>
+          <p:cNvPr id="13" name="テキスト ボックス 12">
+            <a:extLst>
+              <a:ext uri="{FF2B5EF4-FFF2-40B4-BE49-F238E27FC236}">
+                <a16:creationId xmlns:a16="http://schemas.microsoft.com/office/drawing/2014/main" id="{894756A3-31D0-C90F-368D-FFCF4B0BF4FA}"/>
+              </a:ext>
+            </a:extLst>
+          </p:cNvPr>
+          <p:cNvSpPr txBox="1"/>
+          <p:nvPr/>
+        </p:nvSpPr>
+        <p:spPr>
+          <a:xfrm>
+            <a:off x="4349013" y="1509115"/>
+            <a:ext cx="3263154" cy="430887"/>
+          </a:xfrm>
+          <a:prstGeom prst="rect">
+            <a:avLst/>
+          </a:prstGeom>
+          <a:noFill/>
+        </p:spPr>
+        <p:txBody>
+          <a:bodyPr wrap="square" rtlCol="0">
+            <a:spAutoFit/>
+          </a:bodyPr>
+          <a:lstStyle/>
+          <a:p>
+            <a:pPr algn="l"/>
+            <a:r>
+              <a:rPr kumimoji="1" lang="ja-JP" altLang="en-US" sz="2200" dirty="0"/>
+              <a:t>折り返し型の周波数特性</a:t>
+            </a:r>
+          </a:p>
+        </p:txBody>
+      </p:sp>
+    </p:spTree>
+    <p:extLst>
+      <p:ext uri="{BB962C8B-B14F-4D97-AF65-F5344CB8AC3E}">
+        <p14:creationId xmlns:p14="http://schemas.microsoft.com/office/powerpoint/2010/main" val="1145240485"/>
+      </p:ext>
+    </p:extLst>
+  </p:cSld>
+  <p:clrMapOvr>
+    <a:masterClrMapping/>
+  </p:clrMapOvr>
+</p:sld>
+</file>
+
+<file path=ppt/slides/slide21.xml><?xml version="1.0" encoding="utf-8"?>
+<p:sld xmlns:a="http://schemas.openxmlformats.org/drawingml/2006/main" xmlns:r="http://schemas.openxmlformats.org/officeDocument/2006/relationships" xmlns:p="http://schemas.openxmlformats.org/presentationml/2006/main">
+  <p:cSld>
+    <p:spTree>
+      <p:nvGrpSpPr>
+        <p:cNvPr id="1" name=""/>
+        <p:cNvGrpSpPr/>
+        <p:nvPr/>
+      </p:nvGrpSpPr>
+      <p:grpSpPr>
+        <a:xfrm>
+          <a:off x="0" y="0"/>
+          <a:ext cx="0" cy="0"/>
+          <a:chOff x="0" y="0"/>
+          <a:chExt cx="0" cy="0"/>
+        </a:xfrm>
+      </p:grpSpPr>
+      <p:sp>
+        <p:nvSpPr>
+          <p:cNvPr id="2" name="タイトル 1">
+            <a:extLst>
+              <a:ext uri="{FF2B5EF4-FFF2-40B4-BE49-F238E27FC236}">
+                <a16:creationId xmlns:a16="http://schemas.microsoft.com/office/drawing/2014/main" id="{75F689A3-CC64-370D-3038-7805F9686B88}"/>
+              </a:ext>
+            </a:extLst>
+          </p:cNvPr>
+          <p:cNvSpPr>
+            <a:spLocks noGrp="1"/>
+          </p:cNvSpPr>
+          <p:nvPr>
+            <p:ph type="title"/>
+          </p:nvPr>
+        </p:nvSpPr>
+        <p:spPr/>
+        <p:txBody>
+          <a:bodyPr/>
+          <a:lstStyle/>
+          <a:p>
+            <a:r>
+              <a:rPr lang="ja-JP" altLang="en-US" dirty="0"/>
+              <a:t>従来型と折り返し型の比較</a:t>
+            </a:r>
+            <a:endParaRPr kumimoji="1" lang="ja-JP" altLang="en-US" dirty="0"/>
+          </a:p>
+        </p:txBody>
+      </p:sp>
+      <p:sp>
+        <p:nvSpPr>
+          <p:cNvPr id="3" name="スライド番号プレースホルダー 2">
+            <a:extLst>
+              <a:ext uri="{FF2B5EF4-FFF2-40B4-BE49-F238E27FC236}">
+                <a16:creationId xmlns:a16="http://schemas.microsoft.com/office/drawing/2014/main" id="{9BC381BE-A9EA-6892-1AA3-8F7F74381F79}"/>
               </a:ext>
             </a:extLst>
           </p:cNvPr>
@@ -14492,7 +14688,217 @@
           <a:p>
             <a:fld id="{A6533F35-6776-486C-8F15-FDFBB901D931}" type="slidenum">
               <a:rPr kumimoji="1" lang="ja-JP" altLang="en-US" smtClean="0"/>
-              <a:t>20</a:t>
+              <a:t>21</a:t>
+            </a:fld>
+            <a:endParaRPr kumimoji="1" lang="ja-JP" altLang="en-US"/>
+          </a:p>
+        </p:txBody>
+      </p:sp>
+      <p:pic>
+        <p:nvPicPr>
+          <p:cNvPr id="4" name="図 3" descr="グラフ&#10;&#10;自動的に生成された説明">
+            <a:extLst>
+              <a:ext uri="{FF2B5EF4-FFF2-40B4-BE49-F238E27FC236}">
+                <a16:creationId xmlns:a16="http://schemas.microsoft.com/office/drawing/2014/main" id="{18B9E08A-7135-F56E-F35B-05A055E685E0}"/>
+              </a:ext>
+            </a:extLst>
+          </p:cNvPr>
+          <p:cNvPicPr>
+            <a:picLocks noChangeAspect="1"/>
+          </p:cNvPicPr>
+          <p:nvPr/>
+        </p:nvPicPr>
+        <p:blipFill rotWithShape="1">
+          <a:blip r:embed="rId2">
+            <a:extLst>
+              <a:ext uri="{28A0092B-C50C-407E-A947-70E740481C1C}">
+                <a14:useLocalDpi xmlns:a14="http://schemas.microsoft.com/office/drawing/2010/main" val="0"/>
+              </a:ext>
+            </a:extLst>
+          </a:blip>
+          <a:srcRect r="7558"/>
+          <a:stretch/>
+        </p:blipFill>
+        <p:spPr>
+          <a:xfrm>
+            <a:off x="6096000" y="1308847"/>
+            <a:ext cx="5599694" cy="4240305"/>
+          </a:xfrm>
+          <a:prstGeom prst="rect">
+            <a:avLst/>
+          </a:prstGeom>
+        </p:spPr>
+      </p:pic>
+      <p:pic>
+        <p:nvPicPr>
+          <p:cNvPr id="6" name="図 5" descr="グラフ&#10;&#10;自動的に生成された説明">
+            <a:extLst>
+              <a:ext uri="{FF2B5EF4-FFF2-40B4-BE49-F238E27FC236}">
+                <a16:creationId xmlns:a16="http://schemas.microsoft.com/office/drawing/2014/main" id="{60B5C68B-E769-F3E9-FAFE-C5D457E46B80}"/>
+              </a:ext>
+            </a:extLst>
+          </p:cNvPr>
+          <p:cNvPicPr>
+            <a:picLocks noChangeAspect="1"/>
+          </p:cNvPicPr>
+          <p:nvPr/>
+        </p:nvPicPr>
+        <p:blipFill rotWithShape="1">
+          <a:blip r:embed="rId3">
+            <a:extLst>
+              <a:ext uri="{28A0092B-C50C-407E-A947-70E740481C1C}">
+                <a14:useLocalDpi xmlns:a14="http://schemas.microsoft.com/office/drawing/2010/main" val="0"/>
+              </a:ext>
+            </a:extLst>
+          </a:blip>
+          <a:srcRect l="1012" r="7567"/>
+          <a:stretch/>
+        </p:blipFill>
+        <p:spPr>
+          <a:xfrm>
+            <a:off x="496306" y="1308846"/>
+            <a:ext cx="5537854" cy="4240305"/>
+          </a:xfrm>
+          <a:prstGeom prst="rect">
+            <a:avLst/>
+          </a:prstGeom>
+        </p:spPr>
+      </p:pic>
+      <p:sp>
+        <p:nvSpPr>
+          <p:cNvPr id="7" name="テキスト ボックス 6">
+            <a:extLst>
+              <a:ext uri="{FF2B5EF4-FFF2-40B4-BE49-F238E27FC236}">
+                <a16:creationId xmlns:a16="http://schemas.microsoft.com/office/drawing/2014/main" id="{3C23FB06-5F72-F2B4-12B1-F18F51F171DB}"/>
+              </a:ext>
+            </a:extLst>
+          </p:cNvPr>
+          <p:cNvSpPr txBox="1"/>
+          <p:nvPr/>
+        </p:nvSpPr>
+        <p:spPr>
+          <a:xfrm>
+            <a:off x="3265233" y="5612985"/>
+            <a:ext cx="6152225" cy="830997"/>
+          </a:xfrm>
+          <a:prstGeom prst="rect">
+            <a:avLst/>
+          </a:prstGeom>
+          <a:noFill/>
+        </p:spPr>
+        <p:txBody>
+          <a:bodyPr wrap="square" rtlCol="0">
+            <a:spAutoFit/>
+          </a:bodyPr>
+          <a:lstStyle/>
+          <a:p>
+            <a:pPr algn="l"/>
+            <a:r>
+              <a:rPr kumimoji="1" lang="ja-JP" altLang="en-US" sz="2400" dirty="0"/>
+              <a:t>左が折り返し型、右が従来型の周波数特性</a:t>
+            </a:r>
+            <a:endParaRPr kumimoji="1" lang="en-US" altLang="ja-JP" sz="2400" dirty="0"/>
+          </a:p>
+          <a:p>
+            <a:pPr algn="l"/>
+            <a:r>
+              <a:rPr lang="ja-JP" altLang="en-US" sz="2400" dirty="0"/>
+              <a:t>折り返し型のほうが</a:t>
+            </a:r>
+            <a:r>
+              <a:rPr lang="en-US" altLang="ja-JP" sz="2400" dirty="0"/>
+              <a:t>1</a:t>
+            </a:r>
+            <a:r>
+              <a:rPr lang="ja-JP" altLang="en-US" sz="2400" dirty="0"/>
+              <a:t>桁程度立下りが早い</a:t>
+            </a:r>
+            <a:endParaRPr kumimoji="1" lang="ja-JP" altLang="en-US" sz="2400" dirty="0"/>
+          </a:p>
+        </p:txBody>
+      </p:sp>
+    </p:spTree>
+    <p:extLst>
+      <p:ext uri="{BB962C8B-B14F-4D97-AF65-F5344CB8AC3E}">
+        <p14:creationId xmlns:p14="http://schemas.microsoft.com/office/powerpoint/2010/main" val="2571437871"/>
+      </p:ext>
+    </p:extLst>
+  </p:cSld>
+  <p:clrMapOvr>
+    <a:masterClrMapping/>
+  </p:clrMapOvr>
+</p:sld>
+</file>
+
+<file path=ppt/slides/slide22.xml><?xml version="1.0" encoding="utf-8"?>
+<p:sld xmlns:a="http://schemas.openxmlformats.org/drawingml/2006/main" xmlns:r="http://schemas.openxmlformats.org/officeDocument/2006/relationships" xmlns:p="http://schemas.openxmlformats.org/presentationml/2006/main">
+  <p:cSld>
+    <p:spTree>
+      <p:nvGrpSpPr>
+        <p:cNvPr id="1" name=""/>
+        <p:cNvGrpSpPr/>
+        <p:nvPr/>
+      </p:nvGrpSpPr>
+      <p:grpSpPr>
+        <a:xfrm>
+          <a:off x="0" y="0"/>
+          <a:ext cx="0" cy="0"/>
+          <a:chOff x="0" y="0"/>
+          <a:chExt cx="0" cy="0"/>
+        </a:xfrm>
+      </p:grpSpPr>
+      <p:sp>
+        <p:nvSpPr>
+          <p:cNvPr id="2" name="タイトル 1">
+            <a:extLst>
+              <a:ext uri="{FF2B5EF4-FFF2-40B4-BE49-F238E27FC236}">
+                <a16:creationId xmlns:a16="http://schemas.microsoft.com/office/drawing/2014/main" id="{1017C2DF-FEBB-AAE1-D65A-0D9AC1609E57}"/>
+              </a:ext>
+            </a:extLst>
+          </p:cNvPr>
+          <p:cNvSpPr>
+            <a:spLocks noGrp="1"/>
+          </p:cNvSpPr>
+          <p:nvPr>
+            <p:ph type="title"/>
+          </p:nvPr>
+        </p:nvSpPr>
+        <p:spPr/>
+        <p:txBody>
+          <a:bodyPr/>
+          <a:lstStyle/>
+          <a:p>
+            <a:r>
+              <a:rPr kumimoji="1" lang="ja-JP" altLang="en-US" dirty="0"/>
+              <a:t>秋学期の研究計画</a:t>
+            </a:r>
+          </a:p>
+        </p:txBody>
+      </p:sp>
+      <p:sp>
+        <p:nvSpPr>
+          <p:cNvPr id="3" name="スライド番号プレースホルダー 2">
+            <a:extLst>
+              <a:ext uri="{FF2B5EF4-FFF2-40B4-BE49-F238E27FC236}">
+                <a16:creationId xmlns:a16="http://schemas.microsoft.com/office/drawing/2014/main" id="{EC1911EA-2A20-A521-5EFD-2A8FE44ED71F}"/>
+              </a:ext>
+            </a:extLst>
+          </p:cNvPr>
+          <p:cNvSpPr>
+            <a:spLocks noGrp="1"/>
+          </p:cNvSpPr>
+          <p:nvPr>
+            <p:ph type="sldNum" sz="quarter" idx="12"/>
+          </p:nvPr>
+        </p:nvSpPr>
+        <p:spPr/>
+        <p:txBody>
+          <a:bodyPr/>
+          <a:lstStyle/>
+          <a:p>
+            <a:fld id="{A6533F35-6776-486C-8F15-FDFBB901D931}" type="slidenum">
+              <a:rPr kumimoji="1" lang="ja-JP" altLang="en-US" smtClean="0"/>
+              <a:t>22</a:t>
             </a:fld>
             <a:endParaRPr kumimoji="1" lang="ja-JP" altLang="en-US"/>
           </a:p>
@@ -14501,7 +14907,7 @@
     </p:spTree>
     <p:extLst>
       <p:ext uri="{BB962C8B-B14F-4D97-AF65-F5344CB8AC3E}">
-        <p14:creationId xmlns:p14="http://schemas.microsoft.com/office/powerpoint/2010/main" val="2384487710"/>
+        <p14:creationId xmlns:p14="http://schemas.microsoft.com/office/powerpoint/2010/main" val="4163590889"/>
       </p:ext>
     </p:extLst>
   </p:cSld>

--- a/folded_gilbert/20230720中間発表/20230720　小島光.pptx
+++ b/folded_gilbert/20230720中間発表/20230720　小島光.pptx
@@ -4171,8 +4171,11 @@
           <a:p>
             <a:r>
               <a:rPr lang="ja-JP" altLang="en-US" dirty="0"/>
-              <a:t>和田研</a:t>
+              <a:t>波動信号処理回路研究室</a:t>
             </a:r>
+            <a:endParaRPr lang="en-US" altLang="ja-JP" dirty="0"/>
+          </a:p>
+          <a:p>
             <a:r>
               <a:rPr lang="en-US" altLang="ja-JP" dirty="0"/>
               <a:t>B4</a:t>
@@ -5344,8 +5347,8 @@
           </a:p>
         </p:txBody>
       </p:sp>
-      <mc:AlternateContent xmlns:mc="http://schemas.openxmlformats.org/markup-compatibility/2006" xmlns:a14="http://schemas.microsoft.com/office/drawing/2010/main">
-        <mc:Choice Requires="a14">
+      <mc:AlternateContent xmlns:mc="http://schemas.openxmlformats.org/markup-compatibility/2006">
+        <mc:Choice xmlns:a14="http://schemas.microsoft.com/office/drawing/2010/main" Requires="a14">
           <p:sp>
             <p:nvSpPr>
               <p:cNvPr id="4" name="テキスト ボックス 3">
@@ -5464,7 +5467,19 @@
                       <a:rPr kumimoji="1" lang="en-US" altLang="ja-JP" sz="2400" b="0" i="1" dirty="0" smtClean="0">
                         <a:latin typeface="Cambria Math" panose="02040503050406030204" pitchFamily="18" charset="0"/>
                       </a:rPr>
-                      <m:t>=1 </m:t>
+                      <m:t>=</m:t>
+                    </m:r>
+                    <m:r>
+                      <a:rPr kumimoji="1" lang="en-US" altLang="ja-JP" sz="2400" b="0" i="1" dirty="0" smtClean="0">
+                        <a:latin typeface="Cambria Math" panose="02040503050406030204" pitchFamily="18" charset="0"/>
+                      </a:rPr>
+                      <m:t>4</m:t>
+                    </m:r>
+                    <m:r>
+                      <a:rPr kumimoji="1" lang="en-US" altLang="ja-JP" sz="2400" b="0" i="1" dirty="0" smtClean="0">
+                        <a:latin typeface="Cambria Math" panose="02040503050406030204" pitchFamily="18" charset="0"/>
+                      </a:rPr>
+                      <m:t> </m:t>
                     </m:r>
                     <m:r>
                       <m:rPr>
@@ -6121,7 +6136,7 @@
             </p:txBody>
           </p:sp>
         </mc:Choice>
-        <mc:Fallback xmlns="">
+        <mc:Fallback>
           <p:sp>
             <p:nvSpPr>
               <p:cNvPr id="4" name="テキスト ボックス 3">
@@ -11218,37 +11233,8 @@
           </a:p>
         </p:txBody>
       </p:sp>
-      <p:pic>
-        <p:nvPicPr>
-          <p:cNvPr id="5" name="図 4">
-            <a:extLst>
-              <a:ext uri="{FF2B5EF4-FFF2-40B4-BE49-F238E27FC236}">
-                <a16:creationId xmlns:a16="http://schemas.microsoft.com/office/drawing/2014/main" id="{C47814A5-AC59-95C1-0A71-28E84550D3EA}"/>
-              </a:ext>
-            </a:extLst>
-          </p:cNvPr>
-          <p:cNvPicPr>
-            <a:picLocks noChangeAspect="1"/>
-          </p:cNvPicPr>
-          <p:nvPr/>
-        </p:nvPicPr>
-        <p:blipFill rotWithShape="1">
-          <a:blip r:embed="rId2"/>
-          <a:srcRect r="11801"/>
-          <a:stretch/>
-        </p:blipFill>
-        <p:spPr>
-          <a:xfrm>
-            <a:off x="0" y="1555131"/>
-            <a:ext cx="6221504" cy="4937744"/>
-          </a:xfrm>
-          <a:prstGeom prst="rect">
-            <a:avLst/>
-          </a:prstGeom>
-        </p:spPr>
-      </p:pic>
-      <mc:AlternateContent xmlns:mc="http://schemas.openxmlformats.org/markup-compatibility/2006" xmlns:a14="http://schemas.microsoft.com/office/drawing/2010/main">
-        <mc:Choice Requires="a14">
+      <mc:AlternateContent xmlns:mc="http://schemas.openxmlformats.org/markup-compatibility/2006">
+        <mc:Choice xmlns:a14="http://schemas.microsoft.com/office/drawing/2010/main" Requires="a14">
           <p:sp>
             <p:nvSpPr>
               <p:cNvPr id="7" name="テキスト ボックス 6">
@@ -11264,7 +11250,7 @@
             <p:spPr>
               <a:xfrm>
                 <a:off x="6822141" y="1304118"/>
-                <a:ext cx="4670612" cy="4832092"/>
+                <a:ext cx="4670612" cy="4879734"/>
               </a:xfrm>
               <a:prstGeom prst="rect">
                 <a:avLst/>
@@ -11288,31 +11274,44 @@
                 <a:pPr algn="l"/>
                 <a14:m>
                   <m:oMath xmlns:m="http://schemas.openxmlformats.org/officeDocument/2006/math">
-                    <m:sSub>
-                      <m:sSubPr>
+                    <m:rad>
+                      <m:radPr>
+                        <m:degHide m:val="on"/>
                         <m:ctrlPr>
                           <a:rPr kumimoji="1" lang="en-US" altLang="ja-JP" sz="2200" b="0" i="1" smtClean="0">
                             <a:latin typeface="Cambria Math" panose="02040503050406030204" pitchFamily="18" charset="0"/>
                           </a:rPr>
                         </m:ctrlPr>
-                      </m:sSubPr>
+                      </m:radPr>
+                      <m:deg/>
                       <m:e>
-                        <m:r>
-                          <a:rPr kumimoji="1" lang="en-US" altLang="ja-JP" sz="2200" b="0" i="1" smtClean="0">
-                            <a:latin typeface="Cambria Math" panose="02040503050406030204" pitchFamily="18" charset="0"/>
-                          </a:rPr>
-                          <m:t>𝑔</m:t>
-                        </m:r>
+                        <m:sSub>
+                          <m:sSubPr>
+                            <m:ctrlPr>
+                              <a:rPr kumimoji="1" lang="en-US" altLang="ja-JP" sz="2200" b="0" i="1" smtClean="0">
+                                <a:latin typeface="Cambria Math" panose="02040503050406030204" pitchFamily="18" charset="0"/>
+                              </a:rPr>
+                            </m:ctrlPr>
+                          </m:sSubPr>
+                          <m:e>
+                            <m:r>
+                              <a:rPr kumimoji="1" lang="en-US" altLang="ja-JP" sz="2200" b="0" i="1" smtClean="0">
+                                <a:latin typeface="Cambria Math" panose="02040503050406030204" pitchFamily="18" charset="0"/>
+                              </a:rPr>
+                              <m:t>𝐼</m:t>
+                            </m:r>
+                          </m:e>
+                          <m:sub>
+                            <m:r>
+                              <a:rPr kumimoji="1" lang="en-US" altLang="ja-JP" sz="2200" b="0" i="1" smtClean="0">
+                                <a:latin typeface="Cambria Math" panose="02040503050406030204" pitchFamily="18" charset="0"/>
+                              </a:rPr>
+                              <m:t>𝐷</m:t>
+                            </m:r>
+                          </m:sub>
+                        </m:sSub>
                       </m:e>
-                      <m:sub>
-                        <m:r>
-                          <a:rPr kumimoji="1" lang="en-US" altLang="ja-JP" sz="2200" b="0" i="1" smtClean="0">
-                            <a:latin typeface="Cambria Math" panose="02040503050406030204" pitchFamily="18" charset="0"/>
-                          </a:rPr>
-                          <m:t>𝑚</m:t>
-                        </m:r>
-                      </m:sub>
-                    </m:sSub>
+                    </m:rad>
                     <m:r>
                       <a:rPr kumimoji="1" lang="en-US" altLang="ja-JP" sz="2200" b="0" i="1" smtClean="0">
                         <a:latin typeface="Cambria Math" panose="02040503050406030204" pitchFamily="18" charset="0"/>
@@ -11492,7 +11491,19 @@
                       <a:rPr kumimoji="1" lang="en-US" altLang="ja-JP" sz="2200" b="0" i="1" smtClean="0">
                         <a:latin typeface="Cambria Math" panose="02040503050406030204" pitchFamily="18" charset="0"/>
                       </a:rPr>
-                      <m:t>0.39≈0.4 </m:t>
+                      <m:t>0.</m:t>
+                    </m:r>
+                    <m:r>
+                      <a:rPr kumimoji="1" lang="en-US" altLang="ja-JP" sz="2200" b="0" i="1" smtClean="0">
+                        <a:latin typeface="Cambria Math" panose="02040503050406030204" pitchFamily="18" charset="0"/>
+                      </a:rPr>
+                      <m:t>42</m:t>
+                    </m:r>
+                    <m:r>
+                      <a:rPr kumimoji="1" lang="en-US" altLang="ja-JP" sz="2200" b="0" i="1" smtClean="0">
+                        <a:latin typeface="Cambria Math" panose="02040503050406030204" pitchFamily="18" charset="0"/>
+                      </a:rPr>
+                      <m:t>≈0.4 </m:t>
                     </m:r>
                     <m:r>
                       <m:rPr>
@@ -11643,7 +11654,7 @@
             </p:txBody>
           </p:sp>
         </mc:Choice>
-        <mc:Fallback xmlns="">
+        <mc:Fallback>
           <p:sp>
             <p:nvSpPr>
               <p:cNvPr id="7" name="テキスト ボックス 6">
@@ -11661,15 +11672,15 @@
             <p:spPr>
               <a:xfrm>
                 <a:off x="6822141" y="1304118"/>
-                <a:ext cx="4670612" cy="4832092"/>
+                <a:ext cx="4670612" cy="4879734"/>
               </a:xfrm>
               <a:prstGeom prst="rect">
                 <a:avLst/>
               </a:prstGeom>
               <a:blipFill>
-                <a:blip r:embed="rId4"/>
+                <a:blip r:embed="rId2"/>
                 <a:stretch>
-                  <a:fillRect l="-1697" t="-883" r="-7572" b="-1513"/>
+                  <a:fillRect l="-1697" t="-875" r="-7572" b="-2125"/>
                 </a:stretch>
               </a:blipFill>
             </p:spPr>
@@ -11688,6 +11699,41 @@
           </p:sp>
         </mc:Fallback>
       </mc:AlternateContent>
+      <p:pic>
+        <p:nvPicPr>
+          <p:cNvPr id="6" name="図 5" descr="グラフ, 折れ線グラフ&#10;&#10;自動的に生成された説明">
+            <a:extLst>
+              <a:ext uri="{FF2B5EF4-FFF2-40B4-BE49-F238E27FC236}">
+                <a16:creationId xmlns:a16="http://schemas.microsoft.com/office/drawing/2014/main" id="{A44C0598-0134-3673-ECB7-FD8FA312628F}"/>
+              </a:ext>
+            </a:extLst>
+          </p:cNvPr>
+          <p:cNvPicPr>
+            <a:picLocks noChangeAspect="1"/>
+          </p:cNvPicPr>
+          <p:nvPr/>
+        </p:nvPicPr>
+        <p:blipFill rotWithShape="1">
+          <a:blip r:embed="rId3">
+            <a:extLst>
+              <a:ext uri="{28A0092B-C50C-407E-A947-70E740481C1C}">
+                <a14:useLocalDpi xmlns:a14="http://schemas.microsoft.com/office/drawing/2010/main" val="0"/>
+              </a:ext>
+            </a:extLst>
+          </a:blip>
+          <a:srcRect r="14487"/>
+          <a:stretch/>
+        </p:blipFill>
+        <p:spPr>
+          <a:xfrm>
+            <a:off x="70945" y="1523538"/>
+            <a:ext cx="6516668" cy="5334462"/>
+          </a:xfrm>
+          <a:prstGeom prst="rect">
+            <a:avLst/>
+          </a:prstGeom>
+        </p:spPr>
+      </p:pic>
     </p:spTree>
     <p:extLst>
       <p:ext uri="{BB962C8B-B14F-4D97-AF65-F5344CB8AC3E}">
@@ -13558,121 +13604,43 @@
           </p:graphicFrame>
         </mc:Fallback>
       </mc:AlternateContent>
-      <mc:AlternateContent xmlns:mc="http://schemas.openxmlformats.org/markup-compatibility/2006" xmlns:a14="http://schemas.microsoft.com/office/drawing/2010/main">
-        <mc:Choice Requires="a14">
-          <p:sp>
-            <p:nvSpPr>
-              <p:cNvPr id="6" name="テキスト ボックス 5">
-                <a:extLst>
-                  <a:ext uri="{FF2B5EF4-FFF2-40B4-BE49-F238E27FC236}">
-                    <a16:creationId xmlns:a16="http://schemas.microsoft.com/office/drawing/2014/main" id="{FDB8F1FE-3133-A57B-CE61-A4A5900F0BD7}"/>
-                  </a:ext>
-                </a:extLst>
-              </p:cNvPr>
-              <p:cNvSpPr txBox="1"/>
-              <p:nvPr/>
-            </p:nvSpPr>
-            <p:spPr>
-              <a:xfrm>
-                <a:off x="7117977" y="5110004"/>
-                <a:ext cx="4730840" cy="1107996"/>
-              </a:xfrm>
-              <a:prstGeom prst="rect">
-                <a:avLst/>
-              </a:prstGeom>
-              <a:noFill/>
-            </p:spPr>
-            <p:txBody>
-              <a:bodyPr wrap="square" rtlCol="0">
-                <a:spAutoFit/>
-              </a:bodyPr>
-              <a:lstStyle/>
-              <a:p>
-                <a:pPr algn="l"/>
-                <a:r>
-                  <a:rPr kumimoji="1" lang="ja-JP" altLang="en-US" sz="2200" dirty="0"/>
-                  <a:t>ほとんど設計通りのシミュレーション結果が得られた。</a:t>
-                </a:r>
-                <a:endParaRPr kumimoji="1" lang="en-US" altLang="ja-JP" sz="2200" dirty="0"/>
-              </a:p>
-              <a:p>
-                <a:pPr algn="l"/>
-                <a:r>
-                  <a:rPr lang="ja-JP" altLang="en-US" sz="2200" dirty="0"/>
-                  <a:t>但し、しきい電圧は約</a:t>
-                </a:r>
-                <a14:m>
-                  <m:oMath xmlns:m="http://schemas.openxmlformats.org/officeDocument/2006/math">
-                    <m:r>
-                      <a:rPr lang="en-US" altLang="ja-JP" sz="2200" b="0" i="1" smtClean="0">
-                        <a:latin typeface="Cambria Math" panose="02040503050406030204" pitchFamily="18" charset="0"/>
-                      </a:rPr>
-                      <m:t>0.4 </m:t>
-                    </m:r>
-                    <m:r>
-                      <m:rPr>
-                        <m:sty m:val="p"/>
-                      </m:rPr>
-                      <a:rPr lang="en-US" altLang="ja-JP" sz="2200" b="0" i="0" smtClean="0">
-                        <a:latin typeface="Cambria Math" panose="02040503050406030204" pitchFamily="18" charset="0"/>
-                      </a:rPr>
-                      <m:t>V</m:t>
-                    </m:r>
-                  </m:oMath>
-                </a14:m>
-                <a:r>
-                  <a:rPr kumimoji="1" lang="ja-JP" altLang="en-US" sz="2200" dirty="0"/>
-                  <a:t>であった。</a:t>
-                </a:r>
-              </a:p>
-            </p:txBody>
-          </p:sp>
-        </mc:Choice>
-        <mc:Fallback xmlns="">
-          <p:sp>
-            <p:nvSpPr>
-              <p:cNvPr id="6" name="テキスト ボックス 5">
-                <a:extLst>
-                  <a:ext uri="{FF2B5EF4-FFF2-40B4-BE49-F238E27FC236}">
-                    <a16:creationId xmlns:a16="http://schemas.microsoft.com/office/drawing/2014/main" id="{FDB8F1FE-3133-A57B-CE61-A4A5900F0BD7}"/>
-                  </a:ext>
-                </a:extLst>
-              </p:cNvPr>
-              <p:cNvSpPr txBox="1">
-                <a:spLocks noRot="1" noChangeAspect="1" noMove="1" noResize="1" noEditPoints="1" noAdjustHandles="1" noChangeArrowheads="1" noChangeShapeType="1" noTextEdit="1"/>
-              </p:cNvSpPr>
-              <p:nvPr/>
-            </p:nvSpPr>
-            <p:spPr>
-              <a:xfrm>
-                <a:off x="7117977" y="5110004"/>
-                <a:ext cx="4730840" cy="1107996"/>
-              </a:xfrm>
-              <a:prstGeom prst="rect">
-                <a:avLst/>
-              </a:prstGeom>
-              <a:blipFill>
-                <a:blip r:embed="rId4"/>
-                <a:stretch>
-                  <a:fillRect l="-1675" t="-3297" r="-7474" b="-10440"/>
-                </a:stretch>
-              </a:blipFill>
-            </p:spPr>
-            <p:txBody>
-              <a:bodyPr/>
-              <a:lstStyle/>
-              <a:p>
-                <a:r>
-                  <a:rPr lang="ja-JP" altLang="en-US">
-                    <a:noFill/>
-                  </a:rPr>
-                  <a:t> </a:t>
-                </a:r>
-              </a:p>
-            </p:txBody>
-          </p:sp>
-        </mc:Fallback>
-      </mc:AlternateContent>
+      <p:sp>
+        <p:nvSpPr>
+          <p:cNvPr id="6" name="テキスト ボックス 5">
+            <a:extLst>
+              <a:ext uri="{FF2B5EF4-FFF2-40B4-BE49-F238E27FC236}">
+                <a16:creationId xmlns:a16="http://schemas.microsoft.com/office/drawing/2014/main" id="{FDB8F1FE-3133-A57B-CE61-A4A5900F0BD7}"/>
+              </a:ext>
+            </a:extLst>
+          </p:cNvPr>
+          <p:cNvSpPr txBox="1"/>
+          <p:nvPr/>
+        </p:nvSpPr>
+        <p:spPr>
+          <a:xfrm>
+            <a:off x="7237422" y="5280388"/>
+            <a:ext cx="4730840" cy="769441"/>
+          </a:xfrm>
+          <a:prstGeom prst="rect">
+            <a:avLst/>
+          </a:prstGeom>
+          <a:noFill/>
+        </p:spPr>
+        <p:txBody>
+          <a:bodyPr wrap="square" rtlCol="0">
+            <a:spAutoFit/>
+          </a:bodyPr>
+          <a:lstStyle/>
+          <a:p>
+            <a:pPr algn="l"/>
+            <a:r>
+              <a:rPr kumimoji="1" lang="ja-JP" altLang="en-US" sz="2200" dirty="0"/>
+              <a:t>ほとんど設計通りのシミュレーション結果が得られた。</a:t>
+            </a:r>
+            <a:endParaRPr kumimoji="1" lang="en-US" altLang="ja-JP" sz="2200" dirty="0"/>
+          </a:p>
+        </p:txBody>
+      </p:sp>
       <p:pic>
         <p:nvPicPr>
           <p:cNvPr id="7" name="図 6" descr="背景パターン が含まれている画像&#10;&#10;自動的に生成された説明">
@@ -13688,7 +13656,7 @@
           <p:nvPr/>
         </p:nvPicPr>
         <p:blipFill rotWithShape="1">
-          <a:blip r:embed="rId5">
+          <a:blip r:embed="rId4">
             <a:extLst>
               <a:ext uri="{28A0092B-C50C-407E-A947-70E740481C1C}">
                 <a14:useLocalDpi xmlns:a14="http://schemas.microsoft.com/office/drawing/2010/main" val="0"/>
@@ -14901,6 +14869,122 @@
               <a:t>22</a:t>
             </a:fld>
             <a:endParaRPr kumimoji="1" lang="ja-JP" altLang="en-US"/>
+          </a:p>
+        </p:txBody>
+      </p:sp>
+      <p:sp>
+        <p:nvSpPr>
+          <p:cNvPr id="4" name="テキスト ボックス 3">
+            <a:extLst>
+              <a:ext uri="{FF2B5EF4-FFF2-40B4-BE49-F238E27FC236}">
+                <a16:creationId xmlns:a16="http://schemas.microsoft.com/office/drawing/2014/main" id="{796E5128-BE81-F67E-B86E-82F71880E0F3}"/>
+              </a:ext>
+            </a:extLst>
+          </p:cNvPr>
+          <p:cNvSpPr txBox="1"/>
+          <p:nvPr/>
+        </p:nvSpPr>
+        <p:spPr>
+          <a:xfrm>
+            <a:off x="1641986" y="2500025"/>
+            <a:ext cx="8908027" cy="3046988"/>
+          </a:xfrm>
+          <a:prstGeom prst="rect">
+            <a:avLst/>
+          </a:prstGeom>
+          <a:noFill/>
+        </p:spPr>
+        <p:txBody>
+          <a:bodyPr wrap="square" rtlCol="0">
+            <a:spAutoFit/>
+          </a:bodyPr>
+          <a:lstStyle/>
+          <a:p>
+            <a:pPr marL="342900" indent="-342900" algn="l">
+              <a:buFont typeface="Arial" panose="020B0604020202020204" pitchFamily="34" charset="0"/>
+              <a:buChar char="•"/>
+            </a:pPr>
+            <a:r>
+              <a:rPr kumimoji="1" lang="ja-JP" altLang="en-US" sz="2400" dirty="0"/>
+              <a:t>周波数特性劣化の具体的原因を探す</a:t>
+            </a:r>
+            <a:endParaRPr kumimoji="1" lang="en-US" altLang="ja-JP" sz="2400" dirty="0"/>
+          </a:p>
+          <a:p>
+            <a:pPr marL="342900" indent="-342900" algn="l">
+              <a:buFont typeface="Arial" panose="020B0604020202020204" pitchFamily="34" charset="0"/>
+              <a:buChar char="•"/>
+            </a:pPr>
+            <a:endParaRPr lang="en-US" altLang="ja-JP" sz="2400" dirty="0"/>
+          </a:p>
+          <a:p>
+            <a:pPr marL="342900" indent="-342900" algn="l">
+              <a:buFont typeface="Arial" panose="020B0604020202020204" pitchFamily="34" charset="0"/>
+              <a:buChar char="•"/>
+            </a:pPr>
+            <a:r>
+              <a:rPr kumimoji="1" lang="ja-JP" altLang="en-US" sz="2400" dirty="0"/>
+              <a:t>周波数特性を回路的に修正する</a:t>
+            </a:r>
+            <a:r>
+              <a:rPr kumimoji="1" lang="en-US" altLang="ja-JP" sz="2400" dirty="0"/>
+              <a:t>		</a:t>
+            </a:r>
+          </a:p>
+          <a:p>
+            <a:pPr marL="342900" indent="-342900" algn="l">
+              <a:buFont typeface="Arial" panose="020B0604020202020204" pitchFamily="34" charset="0"/>
+              <a:buChar char="•"/>
+            </a:pPr>
+            <a:endParaRPr lang="en-US" altLang="ja-JP" sz="2400" dirty="0"/>
+          </a:p>
+          <a:p>
+            <a:pPr marL="342900" indent="-342900" algn="l">
+              <a:buFont typeface="Arial" panose="020B0604020202020204" pitchFamily="34" charset="0"/>
+              <a:buChar char="•"/>
+            </a:pPr>
+            <a:endParaRPr kumimoji="1" lang="en-US" altLang="ja-JP" sz="2400" dirty="0"/>
+          </a:p>
+          <a:p>
+            <a:pPr marL="342900" indent="-342900" algn="l">
+              <a:buFont typeface="Arial" panose="020B0604020202020204" pitchFamily="34" charset="0"/>
+              <a:buChar char="•"/>
+            </a:pPr>
+            <a:r>
+              <a:rPr lang="en-US" altLang="ja-JP" sz="2400" dirty="0"/>
+              <a:t>10</a:t>
+            </a:r>
+            <a:r>
+              <a:rPr lang="ja-JP" altLang="en-US" sz="2400" dirty="0"/>
+              <a:t>月</a:t>
+            </a:r>
+            <a:r>
+              <a:rPr lang="en-US" altLang="ja-JP" sz="2400" dirty="0"/>
+              <a:t>TO</a:t>
+            </a:r>
+            <a:r>
+              <a:rPr lang="ja-JP" altLang="en-US" sz="2400" dirty="0"/>
+              <a:t>に向け折り返し型の設計・レイアウトを行う</a:t>
+            </a:r>
+            <a:endParaRPr lang="en-US" altLang="ja-JP" sz="2400" dirty="0"/>
+          </a:p>
+          <a:p>
+            <a:pPr marL="342900" indent="-342900" algn="l">
+              <a:buFont typeface="Arial" panose="020B0604020202020204" pitchFamily="34" charset="0"/>
+              <a:buChar char="•"/>
+            </a:pPr>
+            <a:endParaRPr kumimoji="1" lang="en-US" altLang="ja-JP" sz="2400" dirty="0"/>
+          </a:p>
+          <a:p>
+            <a:pPr marL="342900" indent="-342900" algn="l">
+              <a:buFont typeface="Arial" panose="020B0604020202020204" pitchFamily="34" charset="0"/>
+              <a:buChar char="•"/>
+            </a:pPr>
+            <a:r>
+              <a:rPr lang="ja-JP" altLang="en-US" sz="2400" dirty="0"/>
+              <a:t>多入力にした際の設計、シミュレーションを行う</a:t>
+            </a:r>
+            <a:endParaRPr kumimoji="1" lang="ja-JP" altLang="en-US" sz="2400" dirty="0"/>
           </a:p>
         </p:txBody>
       </p:sp>
